--- a/Encipher.pptx
+++ b/Encipher.pptx
@@ -8,8 +8,10 @@
     <p:sldId id="256" r:id="rId2"/>
     <p:sldId id="257" r:id="rId3"/>
     <p:sldId id="258" r:id="rId4"/>
-    <p:sldId id="259" r:id="rId5"/>
-    <p:sldId id="260" r:id="rId6"/>
+    <p:sldId id="261" r:id="rId5"/>
+    <p:sldId id="259" r:id="rId6"/>
+    <p:sldId id="260" r:id="rId7"/>
+    <p:sldId id="262" r:id="rId8"/>
   </p:sldIdLst>
   <p:sldSz cx="12192000" cy="6858000"/>
   <p:notesSz cx="6858000" cy="9144000"/>
@@ -116,6 +118,18 @@
 </p:presentation>
 </file>
 
+<file path=ppt/commentAuthors.xml><?xml version="1.0" encoding="utf-8"?>
+<p:cmAuthorLst xmlns:a="http://schemas.openxmlformats.org/drawingml/2006/main" xmlns:r="http://schemas.openxmlformats.org/officeDocument/2006/relationships" xmlns:p="http://schemas.openxmlformats.org/presentationml/2006/main">
+  <p:cmAuthor id="1" name="riku tsuzuki" initials="rt" lastIdx="1" clrIdx="0">
+    <p:extLst>
+      <p:ext uri="{19B8F6BF-5375-455C-9EA6-DF929625EA0E}">
+        <p15:presenceInfo xmlns:p15="http://schemas.microsoft.com/office/powerpoint/2012/main" userId="2313ee62dbbb47fb" providerId="Windows Live"/>
+      </p:ext>
+    </p:extLst>
+  </p:cmAuthor>
+</p:cmAuthorLst>
+</file>
+
 <file path=ppt/slideLayouts/slideLayout1.xml><?xml version="1.0" encoding="utf-8"?>
 <p:sldLayout xmlns:a="http://schemas.openxmlformats.org/drawingml/2006/main" xmlns:r="http://schemas.openxmlformats.org/officeDocument/2006/relationships" xmlns:p="http://schemas.openxmlformats.org/presentationml/2006/main" type="title" preserve="1">
   <p:cSld name="タイトル スライド">
@@ -263,7 +277,7 @@
           <a:p>
             <a:fld id="{2456FC1F-9268-4B75-8797-461DE9EF098A}" type="datetimeFigureOut">
               <a:rPr kumimoji="1" lang="ja-JP" altLang="en-US" smtClean="0"/>
-              <a:t>2020/2/9</a:t>
+              <a:t>2020/6/13</a:t>
             </a:fld>
             <a:endParaRPr kumimoji="1" lang="ja-JP" altLang="en-US"/>
           </a:p>
@@ -493,7 +507,7 @@
           <a:p>
             <a:fld id="{2456FC1F-9268-4B75-8797-461DE9EF098A}" type="datetimeFigureOut">
               <a:rPr kumimoji="1" lang="ja-JP" altLang="en-US" smtClean="0"/>
-              <a:t>2020/2/9</a:t>
+              <a:t>2020/6/13</a:t>
             </a:fld>
             <a:endParaRPr kumimoji="1" lang="ja-JP" altLang="en-US"/>
           </a:p>
@@ -733,7 +747,7 @@
           <a:p>
             <a:fld id="{2456FC1F-9268-4B75-8797-461DE9EF098A}" type="datetimeFigureOut">
               <a:rPr kumimoji="1" lang="ja-JP" altLang="en-US" smtClean="0"/>
-              <a:t>2020/2/9</a:t>
+              <a:t>2020/6/13</a:t>
             </a:fld>
             <a:endParaRPr kumimoji="1" lang="ja-JP" altLang="en-US"/>
           </a:p>
@@ -963,7 +977,7 @@
           <a:p>
             <a:fld id="{2456FC1F-9268-4B75-8797-461DE9EF098A}" type="datetimeFigureOut">
               <a:rPr kumimoji="1" lang="ja-JP" altLang="en-US" smtClean="0"/>
-              <a:t>2020/2/9</a:t>
+              <a:t>2020/6/13</a:t>
             </a:fld>
             <a:endParaRPr kumimoji="1" lang="ja-JP" altLang="en-US"/>
           </a:p>
@@ -1238,7 +1252,7 @@
           <a:p>
             <a:fld id="{2456FC1F-9268-4B75-8797-461DE9EF098A}" type="datetimeFigureOut">
               <a:rPr kumimoji="1" lang="ja-JP" altLang="en-US" smtClean="0"/>
-              <a:t>2020/2/9</a:t>
+              <a:t>2020/6/13</a:t>
             </a:fld>
             <a:endParaRPr kumimoji="1" lang="ja-JP" altLang="en-US"/>
           </a:p>
@@ -1567,7 +1581,7 @@
           <a:p>
             <a:fld id="{2456FC1F-9268-4B75-8797-461DE9EF098A}" type="datetimeFigureOut">
               <a:rPr kumimoji="1" lang="ja-JP" altLang="en-US" smtClean="0"/>
-              <a:t>2020/2/9</a:t>
+              <a:t>2020/6/13</a:t>
             </a:fld>
             <a:endParaRPr kumimoji="1" lang="ja-JP" altLang="en-US"/>
           </a:p>
@@ -2043,7 +2057,7 @@
           <a:p>
             <a:fld id="{2456FC1F-9268-4B75-8797-461DE9EF098A}" type="datetimeFigureOut">
               <a:rPr kumimoji="1" lang="ja-JP" altLang="en-US" smtClean="0"/>
-              <a:t>2020/2/9</a:t>
+              <a:t>2020/6/13</a:t>
             </a:fld>
             <a:endParaRPr kumimoji="1" lang="ja-JP" altLang="en-US"/>
           </a:p>
@@ -2184,7 +2198,7 @@
           <a:p>
             <a:fld id="{2456FC1F-9268-4B75-8797-461DE9EF098A}" type="datetimeFigureOut">
               <a:rPr kumimoji="1" lang="ja-JP" altLang="en-US" smtClean="0"/>
-              <a:t>2020/2/9</a:t>
+              <a:t>2020/6/13</a:t>
             </a:fld>
             <a:endParaRPr kumimoji="1" lang="ja-JP" altLang="en-US"/>
           </a:p>
@@ -2297,7 +2311,7 @@
           <a:p>
             <a:fld id="{2456FC1F-9268-4B75-8797-461DE9EF098A}" type="datetimeFigureOut">
               <a:rPr kumimoji="1" lang="ja-JP" altLang="en-US" smtClean="0"/>
-              <a:t>2020/2/9</a:t>
+              <a:t>2020/6/13</a:t>
             </a:fld>
             <a:endParaRPr kumimoji="1" lang="ja-JP" altLang="en-US"/>
           </a:p>
@@ -2640,7 +2654,7 @@
           <a:p>
             <a:fld id="{2456FC1F-9268-4B75-8797-461DE9EF098A}" type="datetimeFigureOut">
               <a:rPr kumimoji="1" lang="ja-JP" altLang="en-US" smtClean="0"/>
-              <a:t>2020/2/9</a:t>
+              <a:t>2020/6/13</a:t>
             </a:fld>
             <a:endParaRPr kumimoji="1" lang="ja-JP" altLang="en-US"/>
           </a:p>
@@ -2928,7 +2942,7 @@
           <a:p>
             <a:fld id="{2456FC1F-9268-4B75-8797-461DE9EF098A}" type="datetimeFigureOut">
               <a:rPr kumimoji="1" lang="ja-JP" altLang="en-US" smtClean="0"/>
-              <a:t>2020/2/9</a:t>
+              <a:t>2020/6/13</a:t>
             </a:fld>
             <a:endParaRPr kumimoji="1" lang="ja-JP" altLang="en-US"/>
           </a:p>
@@ -3201,7 +3215,7 @@
           <a:p>
             <a:fld id="{2456FC1F-9268-4B75-8797-461DE9EF098A}" type="datetimeFigureOut">
               <a:rPr kumimoji="1" lang="ja-JP" altLang="en-US" smtClean="0"/>
-              <a:t>2020/2/9</a:t>
+              <a:t>2020/6/13</a:t>
             </a:fld>
             <a:endParaRPr kumimoji="1" lang="ja-JP" altLang="en-US"/>
           </a:p>
@@ -4547,6 +4561,462 @@
 <file path=ppt/slides/slide4.xml><?xml version="1.0" encoding="utf-8"?>
 <p:sld xmlns:a="http://schemas.openxmlformats.org/drawingml/2006/main" xmlns:r="http://schemas.openxmlformats.org/officeDocument/2006/relationships" xmlns:p="http://schemas.openxmlformats.org/presentationml/2006/main">
   <p:cSld>
+    <p:spTree>
+      <p:nvGrpSpPr>
+        <p:cNvPr id="1" name=""/>
+        <p:cNvGrpSpPr/>
+        <p:nvPr/>
+      </p:nvGrpSpPr>
+      <p:grpSpPr>
+        <a:xfrm>
+          <a:off x="0" y="0"/>
+          <a:ext cx="0" cy="0"/>
+          <a:chOff x="0" y="0"/>
+          <a:chExt cx="0" cy="0"/>
+        </a:xfrm>
+      </p:grpSpPr>
+      <p:grpSp>
+        <p:nvGrpSpPr>
+          <p:cNvPr id="6" name="グループ化 5">
+            <a:extLst>
+              <a:ext uri="{FF2B5EF4-FFF2-40B4-BE49-F238E27FC236}">
+                <a16:creationId xmlns:a16="http://schemas.microsoft.com/office/drawing/2014/main" id="{870579A8-0037-4B89-A78E-ACFF8B1343DB}"/>
+              </a:ext>
+            </a:extLst>
+          </p:cNvPr>
+          <p:cNvGrpSpPr>
+            <a:grpSpLocks/>
+          </p:cNvGrpSpPr>
+          <p:nvPr/>
+        </p:nvGrpSpPr>
+        <p:grpSpPr>
+          <a:xfrm>
+            <a:off x="1040249" y="1609744"/>
+            <a:ext cx="3638511" cy="3638511"/>
+            <a:chOff x="5196000" y="2529000"/>
+            <a:chExt cx="1800000" cy="1800000"/>
+          </a:xfrm>
+          <a:gradFill>
+            <a:gsLst>
+              <a:gs pos="0">
+                <a:schemeClr val="accent1">
+                  <a:lumMod val="5000"/>
+                  <a:lumOff val="95000"/>
+                </a:schemeClr>
+              </a:gs>
+              <a:gs pos="67000">
+                <a:srgbClr val="993399"/>
+              </a:gs>
+              <a:gs pos="83000">
+                <a:srgbClr val="AD5AAD"/>
+              </a:gs>
+              <a:gs pos="100000">
+                <a:schemeClr val="accent1">
+                  <a:lumMod val="30000"/>
+                  <a:lumOff val="70000"/>
+                </a:schemeClr>
+              </a:gs>
+            </a:gsLst>
+            <a:path path="circle">
+              <a:fillToRect l="100000" t="100000"/>
+            </a:path>
+          </a:gradFill>
+        </p:grpSpPr>
+        <p:sp>
+          <p:nvSpPr>
+            <p:cNvPr id="2" name="楕円 1">
+              <a:extLst>
+                <a:ext uri="{FF2B5EF4-FFF2-40B4-BE49-F238E27FC236}">
+                  <a16:creationId xmlns:a16="http://schemas.microsoft.com/office/drawing/2014/main" id="{2F1CB703-D961-4D9C-AA1F-DF616634F70E}"/>
+                </a:ext>
+              </a:extLst>
+            </p:cNvPr>
+            <p:cNvSpPr/>
+            <p:nvPr/>
+          </p:nvSpPr>
+          <p:spPr>
+            <a:xfrm>
+              <a:off x="5196000" y="2529000"/>
+              <a:ext cx="1800000" cy="1800000"/>
+            </a:xfrm>
+            <a:prstGeom prst="ellipse">
+              <a:avLst/>
+            </a:prstGeom>
+            <a:gradFill flip="none" rotWithShape="1">
+              <a:gsLst>
+                <a:gs pos="0">
+                  <a:srgbClr val="00B0F0"/>
+                </a:gs>
+                <a:gs pos="82000">
+                  <a:srgbClr val="F869FB"/>
+                </a:gs>
+                <a:gs pos="100000">
+                  <a:srgbClr val="F41CAC"/>
+                </a:gs>
+              </a:gsLst>
+              <a:lin ang="2700000" scaled="1"/>
+              <a:tileRect/>
+            </a:gradFill>
+            <a:ln>
+              <a:noFill/>
+            </a:ln>
+          </p:spPr>
+          <p:style>
+            <a:lnRef idx="2">
+              <a:schemeClr val="accent1">
+                <a:shade val="50000"/>
+              </a:schemeClr>
+            </a:lnRef>
+            <a:fillRef idx="1">
+              <a:schemeClr val="accent1"/>
+            </a:fillRef>
+            <a:effectRef idx="0">
+              <a:schemeClr val="accent1"/>
+            </a:effectRef>
+            <a:fontRef idx="minor">
+              <a:schemeClr val="lt1"/>
+            </a:fontRef>
+          </p:style>
+          <p:txBody>
+            <a:bodyPr rtlCol="0" anchor="ctr"/>
+            <a:lstStyle/>
+            <a:p>
+              <a:pPr algn="ctr"/>
+              <a:endParaRPr kumimoji="1" lang="ja-JP" altLang="en-US"/>
+            </a:p>
+          </p:txBody>
+        </p:sp>
+        <p:sp>
+          <p:nvSpPr>
+            <p:cNvPr id="4" name="楕円 3">
+              <a:extLst>
+                <a:ext uri="{FF2B5EF4-FFF2-40B4-BE49-F238E27FC236}">
+                  <a16:creationId xmlns:a16="http://schemas.microsoft.com/office/drawing/2014/main" id="{189E1FB2-35AC-47A0-8BE6-39F65F77BE02}"/>
+                </a:ext>
+              </a:extLst>
+            </p:cNvPr>
+            <p:cNvSpPr/>
+            <p:nvPr/>
+          </p:nvSpPr>
+          <p:spPr>
+            <a:xfrm>
+              <a:off x="5461687" y="3305432"/>
+              <a:ext cx="247135" cy="247135"/>
+            </a:xfrm>
+            <a:prstGeom prst="ellipse">
+              <a:avLst/>
+            </a:prstGeom>
+            <a:solidFill>
+              <a:schemeClr val="bg1"/>
+            </a:solidFill>
+            <a:ln>
+              <a:noFill/>
+            </a:ln>
+          </p:spPr>
+          <p:style>
+            <a:lnRef idx="2">
+              <a:schemeClr val="accent1">
+                <a:shade val="50000"/>
+              </a:schemeClr>
+            </a:lnRef>
+            <a:fillRef idx="1">
+              <a:schemeClr val="accent1"/>
+            </a:fillRef>
+            <a:effectRef idx="0">
+              <a:schemeClr val="accent1"/>
+            </a:effectRef>
+            <a:fontRef idx="minor">
+              <a:schemeClr val="lt1"/>
+            </a:fontRef>
+          </p:style>
+          <p:txBody>
+            <a:bodyPr rtlCol="0" anchor="ctr"/>
+            <a:lstStyle/>
+            <a:p>
+              <a:pPr algn="ctr"/>
+              <a:endParaRPr kumimoji="1" lang="ja-JP" altLang="en-US"/>
+            </a:p>
+          </p:txBody>
+        </p:sp>
+        <p:sp>
+          <p:nvSpPr>
+            <p:cNvPr id="5" name="四角形: 角を丸くする 4">
+              <a:extLst>
+                <a:ext uri="{FF2B5EF4-FFF2-40B4-BE49-F238E27FC236}">
+                  <a16:creationId xmlns:a16="http://schemas.microsoft.com/office/drawing/2014/main" id="{0834A920-9489-470A-B259-6D2D7B4DC26A}"/>
+                </a:ext>
+              </a:extLst>
+            </p:cNvPr>
+            <p:cNvSpPr/>
+            <p:nvPr/>
+          </p:nvSpPr>
+          <p:spPr>
+            <a:xfrm>
+              <a:off x="5870497" y="3355889"/>
+              <a:ext cx="983384" cy="146222"/>
+            </a:xfrm>
+            <a:prstGeom prst="roundRect">
+              <a:avLst/>
+            </a:prstGeom>
+            <a:solidFill>
+              <a:schemeClr val="bg1"/>
+            </a:solidFill>
+            <a:ln>
+              <a:noFill/>
+            </a:ln>
+          </p:spPr>
+          <p:style>
+            <a:lnRef idx="2">
+              <a:schemeClr val="accent1">
+                <a:shade val="50000"/>
+              </a:schemeClr>
+            </a:lnRef>
+            <a:fillRef idx="1">
+              <a:schemeClr val="accent1"/>
+            </a:fillRef>
+            <a:effectRef idx="0">
+              <a:schemeClr val="accent1"/>
+            </a:effectRef>
+            <a:fontRef idx="minor">
+              <a:schemeClr val="lt1"/>
+            </a:fontRef>
+          </p:style>
+          <p:txBody>
+            <a:bodyPr rtlCol="0" anchor="ctr"/>
+            <a:lstStyle/>
+            <a:p>
+              <a:pPr algn="ctr"/>
+              <a:endParaRPr kumimoji="1" lang="ja-JP" altLang="en-US"/>
+            </a:p>
+          </p:txBody>
+        </p:sp>
+      </p:grpSp>
+      <p:grpSp>
+        <p:nvGrpSpPr>
+          <p:cNvPr id="14" name="グループ化 13">
+            <a:extLst>
+              <a:ext uri="{FF2B5EF4-FFF2-40B4-BE49-F238E27FC236}">
+                <a16:creationId xmlns:a16="http://schemas.microsoft.com/office/drawing/2014/main" id="{346D9978-968A-4F22-9CBB-18C7890E9AE5}"/>
+              </a:ext>
+            </a:extLst>
+          </p:cNvPr>
+          <p:cNvGrpSpPr/>
+          <p:nvPr/>
+        </p:nvGrpSpPr>
+        <p:grpSpPr>
+          <a:xfrm>
+            <a:off x="7513240" y="1609744"/>
+            <a:ext cx="3638511" cy="3638511"/>
+            <a:chOff x="7513240" y="1609744"/>
+            <a:chExt cx="3638511" cy="3638511"/>
+          </a:xfrm>
+        </p:grpSpPr>
+        <p:sp>
+          <p:nvSpPr>
+            <p:cNvPr id="12" name="四角形: 角を丸くする 11">
+              <a:extLst>
+                <a:ext uri="{FF2B5EF4-FFF2-40B4-BE49-F238E27FC236}">
+                  <a16:creationId xmlns:a16="http://schemas.microsoft.com/office/drawing/2014/main" id="{801DFC5F-BFCE-4CCC-9376-E65DB931D40B}"/>
+                </a:ext>
+              </a:extLst>
+            </p:cNvPr>
+            <p:cNvSpPr/>
+            <p:nvPr/>
+          </p:nvSpPr>
+          <p:spPr>
+            <a:xfrm>
+              <a:off x="7513240" y="1609744"/>
+              <a:ext cx="3638511" cy="3638511"/>
+            </a:xfrm>
+            <a:prstGeom prst="roundRect">
+              <a:avLst/>
+            </a:prstGeom>
+            <a:gradFill flip="none" rotWithShape="1">
+              <a:gsLst>
+                <a:gs pos="0">
+                  <a:srgbClr val="00B0F0"/>
+                </a:gs>
+                <a:gs pos="82000">
+                  <a:srgbClr val="F869FB"/>
+                </a:gs>
+                <a:gs pos="100000">
+                  <a:srgbClr val="F41CAC"/>
+                </a:gs>
+              </a:gsLst>
+              <a:lin ang="2700000" scaled="1"/>
+              <a:tileRect/>
+            </a:gradFill>
+            <a:ln>
+              <a:noFill/>
+            </a:ln>
+          </p:spPr>
+          <p:style>
+            <a:lnRef idx="2">
+              <a:schemeClr val="accent1">
+                <a:shade val="50000"/>
+              </a:schemeClr>
+            </a:lnRef>
+            <a:fillRef idx="1">
+              <a:schemeClr val="accent1"/>
+            </a:fillRef>
+            <a:effectRef idx="0">
+              <a:schemeClr val="accent1"/>
+            </a:effectRef>
+            <a:fontRef idx="minor">
+              <a:schemeClr val="lt1"/>
+            </a:fontRef>
+          </p:style>
+          <p:txBody>
+            <a:bodyPr rtlCol="0" anchor="ctr"/>
+            <a:lstStyle/>
+            <a:p>
+              <a:pPr algn="ctr"/>
+              <a:endParaRPr kumimoji="1" lang="ja-JP" altLang="en-US"/>
+            </a:p>
+          </p:txBody>
+        </p:sp>
+        <p:grpSp>
+          <p:nvGrpSpPr>
+            <p:cNvPr id="13" name="グループ化 12">
+              <a:extLst>
+                <a:ext uri="{FF2B5EF4-FFF2-40B4-BE49-F238E27FC236}">
+                  <a16:creationId xmlns:a16="http://schemas.microsoft.com/office/drawing/2014/main" id="{CC93F56D-4CD0-4540-BCB9-2CED5D75989E}"/>
+                </a:ext>
+              </a:extLst>
+            </p:cNvPr>
+            <p:cNvGrpSpPr/>
+            <p:nvPr/>
+          </p:nvGrpSpPr>
+          <p:grpSpPr>
+            <a:xfrm>
+              <a:off x="7925408" y="3179219"/>
+              <a:ext cx="2814173" cy="499557"/>
+              <a:chOff x="8072327" y="3179223"/>
+              <a:chExt cx="2814173" cy="499557"/>
+            </a:xfrm>
+          </p:grpSpPr>
+          <p:sp>
+            <p:nvSpPr>
+              <p:cNvPr id="9" name="楕円 8">
+                <a:extLst>
+                  <a:ext uri="{FF2B5EF4-FFF2-40B4-BE49-F238E27FC236}">
+                    <a16:creationId xmlns:a16="http://schemas.microsoft.com/office/drawing/2014/main" id="{B4EC80F1-25E9-4538-8B29-AEDF7EE26230}"/>
+                  </a:ext>
+                </a:extLst>
+              </p:cNvPr>
+              <p:cNvSpPr/>
+              <p:nvPr/>
+            </p:nvSpPr>
+            <p:spPr>
+              <a:xfrm>
+                <a:off x="8072327" y="3179223"/>
+                <a:ext cx="499557" cy="499557"/>
+              </a:xfrm>
+              <a:prstGeom prst="ellipse">
+                <a:avLst/>
+              </a:prstGeom>
+              <a:solidFill>
+                <a:schemeClr val="bg1"/>
+              </a:solidFill>
+              <a:ln>
+                <a:noFill/>
+              </a:ln>
+            </p:spPr>
+            <p:style>
+              <a:lnRef idx="2">
+                <a:schemeClr val="accent1">
+                  <a:shade val="50000"/>
+                </a:schemeClr>
+              </a:lnRef>
+              <a:fillRef idx="1">
+                <a:schemeClr val="accent1"/>
+              </a:fillRef>
+              <a:effectRef idx="0">
+                <a:schemeClr val="accent1"/>
+              </a:effectRef>
+              <a:fontRef idx="minor">
+                <a:schemeClr val="lt1"/>
+              </a:fontRef>
+            </p:style>
+            <p:txBody>
+              <a:bodyPr rtlCol="0" anchor="ctr"/>
+              <a:lstStyle/>
+              <a:p>
+                <a:pPr algn="ctr"/>
+                <a:endParaRPr kumimoji="1" lang="ja-JP" altLang="en-US"/>
+              </a:p>
+            </p:txBody>
+          </p:sp>
+          <p:sp>
+            <p:nvSpPr>
+              <p:cNvPr id="10" name="四角形: 角を丸くする 9">
+                <a:extLst>
+                  <a:ext uri="{FF2B5EF4-FFF2-40B4-BE49-F238E27FC236}">
+                    <a16:creationId xmlns:a16="http://schemas.microsoft.com/office/drawing/2014/main" id="{888DF175-1A3C-4F3E-87F5-3523E0E2260C}"/>
+                  </a:ext>
+                </a:extLst>
+              </p:cNvPr>
+              <p:cNvSpPr/>
+              <p:nvPr/>
+            </p:nvSpPr>
+            <p:spPr>
+              <a:xfrm>
+                <a:off x="8898693" y="3281214"/>
+                <a:ext cx="1987807" cy="295572"/>
+              </a:xfrm>
+              <a:prstGeom prst="roundRect">
+                <a:avLst/>
+              </a:prstGeom>
+              <a:solidFill>
+                <a:schemeClr val="bg1"/>
+              </a:solidFill>
+              <a:ln>
+                <a:noFill/>
+              </a:ln>
+            </p:spPr>
+            <p:style>
+              <a:lnRef idx="2">
+                <a:schemeClr val="accent1">
+                  <a:shade val="50000"/>
+                </a:schemeClr>
+              </a:lnRef>
+              <a:fillRef idx="1">
+                <a:schemeClr val="accent1"/>
+              </a:fillRef>
+              <a:effectRef idx="0">
+                <a:schemeClr val="accent1"/>
+              </a:effectRef>
+              <a:fontRef idx="minor">
+                <a:schemeClr val="lt1"/>
+              </a:fontRef>
+            </p:style>
+            <p:txBody>
+              <a:bodyPr rtlCol="0" anchor="ctr"/>
+              <a:lstStyle/>
+              <a:p>
+                <a:pPr algn="ctr"/>
+                <a:endParaRPr kumimoji="1" lang="ja-JP" altLang="en-US"/>
+              </a:p>
+            </p:txBody>
+          </p:sp>
+        </p:grpSp>
+      </p:grpSp>
+    </p:spTree>
+    <p:extLst>
+      <p:ext uri="{BB962C8B-B14F-4D97-AF65-F5344CB8AC3E}">
+        <p14:creationId xmlns:p14="http://schemas.microsoft.com/office/powerpoint/2010/main" val="3165329135"/>
+      </p:ext>
+    </p:extLst>
+  </p:cSld>
+  <p:clrMapOvr>
+    <a:masterClrMapping/>
+  </p:clrMapOvr>
+</p:sld>
+</file>
+
+<file path=ppt/slides/slide5.xml><?xml version="1.0" encoding="utf-8"?>
+<p:sld xmlns:a="http://schemas.openxmlformats.org/drawingml/2006/main" xmlns:r="http://schemas.openxmlformats.org/officeDocument/2006/relationships" xmlns:p="http://schemas.openxmlformats.org/presentationml/2006/main">
+  <p:cSld>
     <p:bg>
       <p:bgPr>
         <a:solidFill>
@@ -5099,7 +5569,7 @@
 </p:sld>
 </file>
 
-<file path=ppt/slides/slide5.xml><?xml version="1.0" encoding="utf-8"?>
+<file path=ppt/slides/slide6.xml><?xml version="1.0" encoding="utf-8"?>
 <p:sld xmlns:a="http://schemas.openxmlformats.org/drawingml/2006/main" xmlns:r="http://schemas.openxmlformats.org/officeDocument/2006/relationships" xmlns:p="http://schemas.openxmlformats.org/presentationml/2006/main">
   <p:cSld>
     <p:spTree>
@@ -6165,6 +6635,182 @@
 </p:sld>
 </file>
 
+<file path=ppt/slides/slide7.xml><?xml version="1.0" encoding="utf-8"?>
+<p:sld xmlns:a="http://schemas.openxmlformats.org/drawingml/2006/main" xmlns:r="http://schemas.openxmlformats.org/officeDocument/2006/relationships" xmlns:p="http://schemas.openxmlformats.org/presentationml/2006/main">
+  <p:cSld>
+    <p:bg>
+      <p:bgPr>
+        <a:gradFill>
+          <a:gsLst>
+            <a:gs pos="0">
+              <a:srgbClr val="00B0F0"/>
+            </a:gs>
+            <a:gs pos="82000">
+              <a:srgbClr val="F869FB"/>
+            </a:gs>
+            <a:gs pos="100000">
+              <a:srgbClr val="F41CAC"/>
+            </a:gs>
+          </a:gsLst>
+          <a:lin ang="2700000" scaled="1"/>
+        </a:gradFill>
+        <a:effectLst/>
+      </p:bgPr>
+    </p:bg>
+    <p:spTree>
+      <p:nvGrpSpPr>
+        <p:cNvPr id="1" name=""/>
+        <p:cNvGrpSpPr/>
+        <p:nvPr/>
+      </p:nvGrpSpPr>
+      <p:grpSpPr>
+        <a:xfrm>
+          <a:off x="0" y="0"/>
+          <a:ext cx="0" cy="0"/>
+          <a:chOff x="0" y="0"/>
+          <a:chExt cx="0" cy="0"/>
+        </a:xfrm>
+      </p:grpSpPr>
+      <p:sp>
+        <p:nvSpPr>
+          <p:cNvPr id="4" name="テキスト ボックス 3">
+            <a:extLst>
+              <a:ext uri="{FF2B5EF4-FFF2-40B4-BE49-F238E27FC236}">
+                <a16:creationId xmlns:a16="http://schemas.microsoft.com/office/drawing/2014/main" id="{FF02E582-135E-4C0E-81FC-8C164D0934EB}"/>
+              </a:ext>
+            </a:extLst>
+          </p:cNvPr>
+          <p:cNvSpPr txBox="1"/>
+          <p:nvPr/>
+        </p:nvSpPr>
+        <p:spPr>
+          <a:xfrm>
+            <a:off x="5580553" y="2767263"/>
+            <a:ext cx="6438993" cy="2123658"/>
+          </a:xfrm>
+          <a:prstGeom prst="rect">
+            <a:avLst/>
+          </a:prstGeom>
+          <a:noFill/>
+          <a:ln>
+            <a:noFill/>
+          </a:ln>
+        </p:spPr>
+        <p:txBody>
+          <a:bodyPr wrap="square" rtlCol="0">
+            <a:spAutoFit/>
+          </a:bodyPr>
+          <a:lstStyle/>
+          <a:p>
+            <a:pPr algn="ctr"/>
+            <a:r>
+              <a:rPr lang="ja-JP" altLang="en-US" sz="6600" b="1" dirty="0">
+                <a:ln>
+                  <a:solidFill>
+                    <a:srgbClr val="993399"/>
+                  </a:solidFill>
+                </a:ln>
+                <a:solidFill>
+                  <a:schemeClr val="bg1"/>
+                </a:solidFill>
+                <a:latin typeface="HG丸ｺﾞｼｯｸM-PRO" panose="020F0600000000000000" pitchFamily="50" charset="-128"/>
+                <a:ea typeface="HG丸ｺﾞｼｯｸM-PRO" panose="020F0600000000000000" pitchFamily="50" charset="-128"/>
+              </a:rPr>
+              <a:t>モールス信号で</a:t>
+            </a:r>
+            <a:endParaRPr lang="en-US" altLang="ja-JP" sz="6600" b="1" dirty="0">
+              <a:ln>
+                <a:solidFill>
+                  <a:srgbClr val="993399"/>
+                </a:solidFill>
+              </a:ln>
+              <a:solidFill>
+                <a:schemeClr val="bg1"/>
+              </a:solidFill>
+              <a:latin typeface="HG丸ｺﾞｼｯｸM-PRO" panose="020F0600000000000000" pitchFamily="50" charset="-128"/>
+              <a:ea typeface="HG丸ｺﾞｼｯｸM-PRO" panose="020F0600000000000000" pitchFamily="50" charset="-128"/>
+            </a:endParaRPr>
+          </a:p>
+          <a:p>
+            <a:pPr algn="ctr"/>
+            <a:r>
+              <a:rPr lang="ja-JP" altLang="en-US" sz="6600" b="1" dirty="0">
+                <a:ln>
+                  <a:solidFill>
+                    <a:srgbClr val="993399"/>
+                  </a:solidFill>
+                </a:ln>
+                <a:solidFill>
+                  <a:schemeClr val="bg1"/>
+                </a:solidFill>
+                <a:latin typeface="HG丸ｺﾞｼｯｸM-PRO" panose="020F0600000000000000" pitchFamily="50" charset="-128"/>
+                <a:ea typeface="HG丸ｺﾞｼｯｸM-PRO" panose="020F0600000000000000" pitchFamily="50" charset="-128"/>
+              </a:rPr>
+              <a:t>遊ぼう！</a:t>
+            </a:r>
+            <a:endParaRPr kumimoji="1" lang="ja-JP" altLang="en-US" sz="6600" b="1" dirty="0">
+              <a:ln>
+                <a:solidFill>
+                  <a:srgbClr val="993399"/>
+                </a:solidFill>
+              </a:ln>
+              <a:solidFill>
+                <a:schemeClr val="bg1"/>
+              </a:solidFill>
+              <a:latin typeface="HG丸ｺﾞｼｯｸM-PRO" panose="020F0600000000000000" pitchFamily="50" charset="-128"/>
+              <a:ea typeface="HG丸ｺﾞｼｯｸM-PRO" panose="020F0600000000000000" pitchFamily="50" charset="-128"/>
+            </a:endParaRPr>
+          </a:p>
+        </p:txBody>
+      </p:sp>
+      <p:pic>
+        <p:nvPicPr>
+          <p:cNvPr id="8" name="図 7" descr="スクリーンショットの画面&#10;&#10;自動的に生成された説明">
+            <a:extLst>
+              <a:ext uri="{FF2B5EF4-FFF2-40B4-BE49-F238E27FC236}">
+                <a16:creationId xmlns:a16="http://schemas.microsoft.com/office/drawing/2014/main" id="{61C9C46D-F5C4-47A6-A3C8-B28917230806}"/>
+              </a:ext>
+            </a:extLst>
+          </p:cNvPr>
+          <p:cNvPicPr>
+            <a:picLocks noChangeAspect="1"/>
+          </p:cNvPicPr>
+          <p:nvPr/>
+        </p:nvPicPr>
+        <p:blipFill rotWithShape="1">
+          <a:blip r:embed="rId2">
+            <a:extLst>
+              <a:ext uri="{28A0092B-C50C-407E-A947-70E740481C1C}">
+                <a14:useLocalDpi xmlns:a14="http://schemas.microsoft.com/office/drawing/2010/main" val="0"/>
+              </a:ext>
+            </a:extLst>
+          </a:blip>
+          <a:srcRect l="1" r="-2427" b="47465"/>
+          <a:stretch/>
+        </p:blipFill>
+        <p:spPr>
+          <a:xfrm>
+            <a:off x="288760" y="1449020"/>
+            <a:ext cx="5283772" cy="5408980"/>
+          </a:xfrm>
+          <a:prstGeom prst="rect">
+            <a:avLst/>
+          </a:prstGeom>
+        </p:spPr>
+      </p:pic>
+    </p:spTree>
+    <p:extLst>
+      <p:ext uri="{BB962C8B-B14F-4D97-AF65-F5344CB8AC3E}">
+        <p14:creationId xmlns:p14="http://schemas.microsoft.com/office/powerpoint/2010/main" val="3083127527"/>
+      </p:ext>
+    </p:extLst>
+  </p:cSld>
+  <p:clrMapOvr>
+    <a:masterClrMapping/>
+  </p:clrMapOvr>
+</p:sld>
+</file>
+
 <file path=ppt/theme/theme1.xml><?xml version="1.0" encoding="utf-8"?>
 <a:theme xmlns:a="http://schemas.openxmlformats.org/drawingml/2006/main" name="Office テーマ">
   <a:themeElements>
@@ -6450,7 +7096,52 @@
       </a:bgFillStyleLst>
     </a:fmtScheme>
   </a:themeElements>
-  <a:objectDefaults/>
+  <a:objectDefaults>
+    <a:spDef>
+      <a:spPr>
+        <a:gradFill flip="none" rotWithShape="1">
+          <a:gsLst>
+            <a:gs pos="0">
+              <a:srgbClr val="00B0F0"/>
+            </a:gs>
+            <a:gs pos="82000">
+              <a:srgbClr val="F869FB"/>
+            </a:gs>
+            <a:gs pos="100000">
+              <a:srgbClr val="F41CAC"/>
+            </a:gs>
+          </a:gsLst>
+          <a:lin ang="2700000" scaled="1"/>
+          <a:tileRect/>
+        </a:gradFill>
+        <a:ln>
+          <a:noFill/>
+        </a:ln>
+      </a:spPr>
+      <a:bodyPr rtlCol="0" anchor="ctr"/>
+      <a:lstStyle>
+        <a:defPPr algn="ctr">
+          <a:defRPr kumimoji="1"/>
+        </a:defPPr>
+      </a:lstStyle>
+      <a:style>
+        <a:lnRef idx="2">
+          <a:schemeClr val="accent1">
+            <a:shade val="50000"/>
+          </a:schemeClr>
+        </a:lnRef>
+        <a:fillRef idx="1">
+          <a:schemeClr val="accent1"/>
+        </a:fillRef>
+        <a:effectRef idx="0">
+          <a:schemeClr val="accent1"/>
+        </a:effectRef>
+        <a:fontRef idx="minor">
+          <a:schemeClr val="lt1"/>
+        </a:fontRef>
+      </a:style>
+    </a:spDef>
+  </a:objectDefaults>
   <a:extraClrSchemeLst/>
   <a:extLst>
     <a:ext uri="{05A4C25C-085E-4340-85A3-A5531E510DB2}">
